--- a/Final Presentation.pptx
+++ b/Final Presentation.pptx
@@ -5273,7 +5273,7 @@
                 <a:latin typeface="Calibri" panose="020F0502020204030204" pitchFamily="34" charset="0"/>
                 <a:cs typeface="Calibri" panose="020F0502020204030204" pitchFamily="34" charset="0"/>
               </a:rPr>
-              <a:t>February 4, 2023</a:t>
+              <a:t>February 6, 2023</a:t>
             </a:r>
           </a:p>
         </p:txBody>
@@ -9472,25 +9472,25 @@
             <p:ph idx="1"/>
             <p:extLst>
               <p:ext uri="{D42A27DB-BD31-4B8C-83A1-F6EECF244321}">
-                <p14:modId xmlns:p14="http://schemas.microsoft.com/office/powerpoint/2010/main" val="3055574830"/>
+                <p14:modId xmlns:p14="http://schemas.microsoft.com/office/powerpoint/2010/main" val="1394601881"/>
               </p:ext>
             </p:extLst>
           </p:nvPr>
         </p:nvGraphicFramePr>
         <p:xfrm>
-          <a:off x="5461000" y="3846967"/>
-          <a:ext cx="1270000" cy="1071563"/>
+          <a:off x="5830888" y="3846513"/>
+          <a:ext cx="530225" cy="1071562"/>
         </p:xfrm>
         <a:graphic>
           <a:graphicData uri="http://schemas.openxmlformats.org/presentationml/2006/ole">
             <mc:AlternateContent xmlns:mc="http://schemas.openxmlformats.org/markup-compatibility/2006">
               <mc:Choice xmlns:v="urn:schemas-microsoft-com:vml" Requires="v">
-                <p:oleObj name="Macro-Enabled Worksheet" showAsIcon="1" r:id="rId3" imgW="914563" imgH="771490" progId="Excel.SheetMacroEnabled.12">
+                <p:oleObj name="Macro-Enabled Worksheet" showAsIcon="1" r:id="rId3" imgW="380879" imgH="771490" progId="Excel.SheetMacroEnabled.12">
                   <p:embed/>
                 </p:oleObj>
               </mc:Choice>
               <mc:Fallback>
-                <p:oleObj name="Macro-Enabled Worksheet" showAsIcon="1" r:id="rId3" imgW="914563" imgH="771490" progId="Excel.SheetMacroEnabled.12">
+                <p:oleObj name="Macro-Enabled Worksheet" showAsIcon="1" r:id="rId3" imgW="380879" imgH="771490" progId="Excel.SheetMacroEnabled.12">
                   <p:embed/>
                   <p:pic>
                     <p:nvPicPr>
@@ -9506,8 +9506,8 @@
                     </p:blipFill>
                     <p:spPr>
                       <a:xfrm>
-                        <a:off x="5461000" y="3846967"/>
-                        <a:ext cx="1270000" cy="1071563"/>
+                        <a:off x="5830888" y="3846513"/>
+                        <a:ext cx="530225" cy="1071562"/>
                       </a:xfrm>
                       <a:prstGeom prst="rect">
                         <a:avLst/>
